--- a/노트/4_javaScript/ch08.string내장객체이용.pptx
+++ b/노트/4_javaScript/ch08.string내장객체이용.pptx
@@ -109,7 +109,7 @@
   </p:defaultTextStyle>
   <p:extLst>
     <p:ext uri="{EFAFB233-063F-42B5-8137-9DF3F51BA10A}">
-      <p15:sldGuideLst xmlns:p15="http://schemas.microsoft.com/office/powerpoint/2012/main">
+      <p15:sldGuideLst xmlns="" xmlns:p15="http://schemas.microsoft.com/office/powerpoint/2012/main">
         <p15:guide id="1" orient="horz" pos="2160">
           <p15:clr>
             <a:srgbClr val="A4A3A4"/>
@@ -208,7 +208,7 @@
           <a:p>
             <a:fld id="{50639707-39DE-4ABC-9199-1F7FAF6411C6}" type="datetimeFigureOut">
               <a:rPr lang="ko-KR" altLang="en-US" smtClean="0"/>
-              <a:t>2020-01-27</a:t>
+              <a:t>2020-01-28</a:t>
             </a:fld>
             <a:endParaRPr lang="ko-KR" altLang="en-US"/>
           </a:p>
@@ -741,7 +741,7 @@
           <a:p>
             <a:fld id="{EA38F95B-CF3F-468E-A892-2120E028FB76}" type="datetimeFigureOut">
               <a:rPr lang="ko-KR" altLang="en-US" smtClean="0"/>
-              <a:t>2020-01-27</a:t>
+              <a:t>2020-01-28</a:t>
             </a:fld>
             <a:endParaRPr lang="ko-KR" altLang="en-US"/>
           </a:p>
@@ -911,7 +911,7 @@
           <a:p>
             <a:fld id="{EA38F95B-CF3F-468E-A892-2120E028FB76}" type="datetimeFigureOut">
               <a:rPr lang="ko-KR" altLang="en-US" smtClean="0"/>
-              <a:t>2020-01-27</a:t>
+              <a:t>2020-01-28</a:t>
             </a:fld>
             <a:endParaRPr lang="ko-KR" altLang="en-US"/>
           </a:p>
@@ -1091,7 +1091,7 @@
           <a:p>
             <a:fld id="{EA38F95B-CF3F-468E-A892-2120E028FB76}" type="datetimeFigureOut">
               <a:rPr lang="ko-KR" altLang="en-US" smtClean="0"/>
-              <a:t>2020-01-27</a:t>
+              <a:t>2020-01-28</a:t>
             </a:fld>
             <a:endParaRPr lang="ko-KR" altLang="en-US"/>
           </a:p>
@@ -1261,7 +1261,7 @@
           <a:p>
             <a:fld id="{EA38F95B-CF3F-468E-A892-2120E028FB76}" type="datetimeFigureOut">
               <a:rPr lang="ko-KR" altLang="en-US" smtClean="0"/>
-              <a:t>2020-01-27</a:t>
+              <a:t>2020-01-28</a:t>
             </a:fld>
             <a:endParaRPr lang="ko-KR" altLang="en-US"/>
           </a:p>
@@ -1507,7 +1507,7 @@
           <a:p>
             <a:fld id="{EA38F95B-CF3F-468E-A892-2120E028FB76}" type="datetimeFigureOut">
               <a:rPr lang="ko-KR" altLang="en-US" smtClean="0"/>
-              <a:t>2020-01-27</a:t>
+              <a:t>2020-01-28</a:t>
             </a:fld>
             <a:endParaRPr lang="ko-KR" altLang="en-US"/>
           </a:p>
@@ -1795,7 +1795,7 @@
           <a:p>
             <a:fld id="{EA38F95B-CF3F-468E-A892-2120E028FB76}" type="datetimeFigureOut">
               <a:rPr lang="ko-KR" altLang="en-US" smtClean="0"/>
-              <a:t>2020-01-27</a:t>
+              <a:t>2020-01-28</a:t>
             </a:fld>
             <a:endParaRPr lang="ko-KR" altLang="en-US"/>
           </a:p>
@@ -2217,7 +2217,7 @@
           <a:p>
             <a:fld id="{EA38F95B-CF3F-468E-A892-2120E028FB76}" type="datetimeFigureOut">
               <a:rPr lang="ko-KR" altLang="en-US" smtClean="0"/>
-              <a:t>2020-01-27</a:t>
+              <a:t>2020-01-28</a:t>
             </a:fld>
             <a:endParaRPr lang="ko-KR" altLang="en-US"/>
           </a:p>
@@ -2335,7 +2335,7 @@
           <a:p>
             <a:fld id="{EA38F95B-CF3F-468E-A892-2120E028FB76}" type="datetimeFigureOut">
               <a:rPr lang="ko-KR" altLang="en-US" smtClean="0"/>
-              <a:t>2020-01-27</a:t>
+              <a:t>2020-01-28</a:t>
             </a:fld>
             <a:endParaRPr lang="ko-KR" altLang="en-US"/>
           </a:p>
@@ -2430,7 +2430,7 @@
           <a:p>
             <a:fld id="{EA38F95B-CF3F-468E-A892-2120E028FB76}" type="datetimeFigureOut">
               <a:rPr lang="ko-KR" altLang="en-US" smtClean="0"/>
-              <a:t>2020-01-27</a:t>
+              <a:t>2020-01-28</a:t>
             </a:fld>
             <a:endParaRPr lang="ko-KR" altLang="en-US"/>
           </a:p>
@@ -2707,7 +2707,7 @@
           <a:p>
             <a:fld id="{EA38F95B-CF3F-468E-A892-2120E028FB76}" type="datetimeFigureOut">
               <a:rPr lang="ko-KR" altLang="en-US" smtClean="0"/>
-              <a:t>2020-01-27</a:t>
+              <a:t>2020-01-28</a:t>
             </a:fld>
             <a:endParaRPr lang="ko-KR" altLang="en-US"/>
           </a:p>
@@ -2960,7 +2960,7 @@
           <a:p>
             <a:fld id="{EA38F95B-CF3F-468E-A892-2120E028FB76}" type="datetimeFigureOut">
               <a:rPr lang="ko-KR" altLang="en-US" smtClean="0"/>
-              <a:t>2020-01-27</a:t>
+              <a:t>2020-01-28</a:t>
             </a:fld>
             <a:endParaRPr lang="ko-KR" altLang="en-US"/>
           </a:p>
@@ -3173,7 +3173,7 @@
           <a:p>
             <a:fld id="{EA38F95B-CF3F-468E-A892-2120E028FB76}" type="datetimeFigureOut">
               <a:rPr lang="ko-KR" altLang="en-US" smtClean="0"/>
-              <a:t>2020-01-27</a:t>
+              <a:t>2020-01-28</a:t>
             </a:fld>
             <a:endParaRPr lang="ko-KR" altLang="en-US"/>
           </a:p>
@@ -3877,7 +3877,7 @@
         <p:spPr>
           <a:xfrm>
             <a:off x="179512" y="147990"/>
-            <a:ext cx="1810111" cy="369332"/>
+            <a:ext cx="5510098" cy="369332"/>
           </a:xfrm>
           <a:prstGeom prst="rect">
             <a:avLst/>
@@ -3891,16 +3891,28 @@
           <a:lstStyle/>
           <a:p>
             <a:r>
+              <a:rPr lang="en-US" altLang="ko-KR" dirty="0"/>
+              <a:t>7</a:t>
+            </a:r>
+            <a:r>
               <a:rPr lang="en-US" altLang="ko-KR" dirty="0" smtClean="0"/>
-              <a:t>5.</a:t>
+              <a:t>.</a:t>
             </a:r>
             <a:r>
               <a:rPr lang="ko-KR" altLang="en-US" dirty="0" smtClean="0"/>
-              <a:t>메일체크</a:t>
+              <a:t>회원가입</a:t>
             </a:r>
             <a:r>
               <a:rPr lang="en-US" altLang="ko-KR" dirty="0" smtClean="0"/>
-              <a:t>.html</a:t>
+              <a:t>_</a:t>
+            </a:r>
+            <a:r>
+              <a:rPr lang="ko-KR" altLang="en-US" dirty="0" smtClean="0"/>
+              <a:t>유효성체크</a:t>
+            </a:r>
+            <a:r>
+              <a:rPr lang="en-US" altLang="ko-KR" dirty="0" smtClean="0"/>
+              <a:t>.html – yisy0703@naver.com</a:t>
             </a:r>
             <a:endParaRPr lang="ko-KR" altLang="en-US" dirty="0"/>
           </a:p>
@@ -4607,7 +4619,7 @@
     </a:clrScheme>
     <a:fontScheme name="Office">
       <a:majorFont>
-        <a:latin typeface="맑은 고딕" panose="020F0302020204030204"/>
+        <a:latin typeface="맑은 고딕"/>
         <a:ea typeface=""/>
         <a:cs typeface=""/>
         <a:font script="Jpan" typeface="游ゴシック Light"/>
@@ -4642,7 +4654,7 @@
         <a:font script="Geor" typeface="Sylfaen"/>
       </a:majorFont>
       <a:minorFont>
-        <a:latin typeface="맑은 고딕" panose="020F0502020204030204"/>
+        <a:latin typeface="맑은 고딕"/>
         <a:ea typeface=""/>
         <a:cs typeface=""/>
         <a:font script="Jpan" typeface="游ゴシック"/>
@@ -4819,7 +4831,7 @@
   <a:extraClrSchemeLst/>
   <a:extLst>
     <a:ext uri="{05A4C25C-085E-4340-85A3-A5531E510DB2}">
-      <thm15:themeFamily xmlns:thm15="http://schemas.microsoft.com/office/thememl/2012/main" name="Office Theme" id="{62F939B6-93AF-4DB8-9C6B-D6C7DFDC589F}" vid="{4A3C46E8-61CC-4603-A589-7422A47A8E4A}"/>
+      <thm15:themeFamily xmlns="" xmlns:thm15="http://schemas.microsoft.com/office/thememl/2012/main" name="Office Theme" id="{62F939B6-93AF-4DB8-9C6B-D6C7DFDC589F}" vid="{4A3C46E8-61CC-4603-A589-7422A47A8E4A}"/>
     </a:ext>
   </a:extLst>
 </a:theme>
